--- a/Diabetes_Predictions.pptx
+++ b/Diabetes_Predictions.pptx
@@ -25,7 +25,7 @@
     <p:sldId id="296" r:id="rId16"/>
     <p:sldId id="308" r:id="rId17"/>
     <p:sldId id="312" r:id="rId18"/>
-    <p:sldId id="293" r:id="rId19"/>
+    <p:sldId id="314" r:id="rId19"/>
     <p:sldId id="292" r:id="rId20"/>
     <p:sldId id="311" r:id="rId21"/>
     <p:sldId id="310" r:id="rId22"/>
@@ -11111,7 +11111,7 @@
           <a:p>
             <a:r>
               <a:rPr lang="en-US" sz="3600" dirty="0"/>
-              <a:t>Education distribution in people with diabetes?</a:t>
+              <a:t>Education distribution in people with diabetes</a:t>
             </a:r>
             <a:br>
               <a:rPr lang="en-US" sz="4000" dirty="0"/>
@@ -16171,6 +16171,35 @@
           </a:p>
         </p:txBody>
       </p:sp>
+      <p:pic>
+        <p:nvPicPr>
+          <p:cNvPr id="31" name="Picture 30">
+            <a:extLst>
+              <a:ext uri="{FF2B5EF4-FFF2-40B4-BE49-F238E27FC236}">
+                <a16:creationId xmlns:a16="http://schemas.microsoft.com/office/drawing/2014/main" id="{241B519D-0B80-6952-37A9-A58B0B3F838C}"/>
+              </a:ext>
+            </a:extLst>
+          </p:cNvPr>
+          <p:cNvPicPr>
+            <a:picLocks noChangeAspect="1"/>
+          </p:cNvPicPr>
+          <p:nvPr/>
+        </p:nvPicPr>
+        <p:blipFill rotWithShape="1">
+          <a:blip r:embed="rId2"/>
+          <a:srcRect r="11133"/>
+          <a:stretch/>
+        </p:blipFill>
+        <p:spPr>
+          <a:xfrm>
+            <a:off x="-6419" y="35612"/>
+            <a:ext cx="12188930" cy="6857990"/>
+          </a:xfrm>
+          <a:prstGeom prst="rect">
+            <a:avLst/>
+          </a:prstGeom>
+        </p:spPr>
+      </p:pic>
       <p:sp>
         <p:nvSpPr>
           <p:cNvPr id="38" name="Freeform: Shape 37">
@@ -17197,12 +17226,250 @@
           </a:p>
         </p:txBody>
       </p:sp>
+      <p:grpSp>
+        <p:nvGrpSpPr>
+          <p:cNvPr id="4" name="Group 3">
+            <a:extLst>
+              <a:ext uri="{FF2B5EF4-FFF2-40B4-BE49-F238E27FC236}">
+                <a16:creationId xmlns:a16="http://schemas.microsoft.com/office/drawing/2014/main" id="{7D1B12CD-D4C5-B658-B1C5-B9BA02B0698B}"/>
+              </a:ext>
+            </a:extLst>
+          </p:cNvPr>
+          <p:cNvGrpSpPr/>
+          <p:nvPr/>
+        </p:nvGrpSpPr>
+        <p:grpSpPr>
+          <a:xfrm>
+            <a:off x="1415608" y="865204"/>
+            <a:ext cx="10287721" cy="4847498"/>
+            <a:chOff x="824072" y="747638"/>
+            <a:chExt cx="10287721" cy="4847498"/>
+          </a:xfrm>
+        </p:grpSpPr>
+        <p:pic>
+          <p:nvPicPr>
+            <p:cNvPr id="5" name="Picture 4" descr="Chart, radar chart&#10;&#10;Description automatically generated">
+              <a:extLst>
+                <a:ext uri="{FF2B5EF4-FFF2-40B4-BE49-F238E27FC236}">
+                  <a16:creationId xmlns:a16="http://schemas.microsoft.com/office/drawing/2014/main" id="{F2A75966-602D-B7CF-85C1-9784E91AB86C}"/>
+                </a:ext>
+              </a:extLst>
+            </p:cNvPr>
+            <p:cNvPicPr>
+              <a:picLocks noChangeAspect="1"/>
+            </p:cNvPicPr>
+            <p:nvPr/>
+          </p:nvPicPr>
+          <p:blipFill>
+            <a:blip r:embed="rId3">
+              <a:extLst>
+                <a:ext uri="{28A0092B-C50C-407E-A947-70E740481C1C}">
+                  <a14:useLocalDpi xmlns:a14="http://schemas.microsoft.com/office/drawing/2010/main" val="0"/>
+                </a:ext>
+              </a:extLst>
+            </a:blip>
+            <a:stretch>
+              <a:fillRect/>
+            </a:stretch>
+          </p:blipFill>
+          <p:spPr>
+            <a:xfrm>
+              <a:off x="824072" y="747638"/>
+              <a:ext cx="4582161" cy="4847498"/>
+            </a:xfrm>
+            <a:prstGeom prst="rect">
+              <a:avLst/>
+            </a:prstGeom>
+          </p:spPr>
+        </p:pic>
+        <p:pic>
+          <p:nvPicPr>
+            <p:cNvPr id="7" name="Picture 6" descr="Chart, radar chart&#10;&#10;Description automatically generated">
+              <a:extLst>
+                <a:ext uri="{FF2B5EF4-FFF2-40B4-BE49-F238E27FC236}">
+                  <a16:creationId xmlns:a16="http://schemas.microsoft.com/office/drawing/2014/main" id="{0DEFA15E-AEEC-312C-1315-512F1E812207}"/>
+                </a:ext>
+              </a:extLst>
+            </p:cNvPr>
+            <p:cNvPicPr>
+              <a:picLocks noChangeAspect="1"/>
+            </p:cNvPicPr>
+            <p:nvPr/>
+          </p:nvPicPr>
+          <p:blipFill>
+            <a:blip r:embed="rId4">
+              <a:extLst>
+                <a:ext uri="{28A0092B-C50C-407E-A947-70E740481C1C}">
+                  <a14:useLocalDpi xmlns:a14="http://schemas.microsoft.com/office/drawing/2010/main" val="0"/>
+                </a:ext>
+              </a:extLst>
+            </a:blip>
+            <a:stretch>
+              <a:fillRect/>
+            </a:stretch>
+          </p:blipFill>
+          <p:spPr>
+            <a:xfrm>
+              <a:off x="6188040" y="928477"/>
+              <a:ext cx="4923753" cy="4666659"/>
+            </a:xfrm>
+            <a:prstGeom prst="rect">
+              <a:avLst/>
+            </a:prstGeom>
+          </p:spPr>
+        </p:pic>
+        <p:sp>
+          <p:nvSpPr>
+            <p:cNvPr id="9" name="TextBox 8">
+              <a:extLst>
+                <a:ext uri="{FF2B5EF4-FFF2-40B4-BE49-F238E27FC236}">
+                  <a16:creationId xmlns:a16="http://schemas.microsoft.com/office/drawing/2014/main" id="{B501FF21-4199-196E-6656-EF4C4956ACF2}"/>
+                </a:ext>
+              </a:extLst>
+            </p:cNvPr>
+            <p:cNvSpPr txBox="1"/>
+            <p:nvPr/>
+          </p:nvSpPr>
+          <p:spPr>
+            <a:xfrm>
+              <a:off x="6581867" y="3241140"/>
+              <a:ext cx="289713" cy="253499"/>
+            </a:xfrm>
+            <a:prstGeom prst="rect">
+              <a:avLst/>
+            </a:prstGeom>
+            <a:noFill/>
+            <a:ln w="31750">
+              <a:solidFill>
+                <a:srgbClr val="FF0000"/>
+              </a:solidFill>
+            </a:ln>
+          </p:spPr>
+          <p:txBody>
+            <a:bodyPr wrap="square" rtlCol="0">
+              <a:spAutoFit/>
+            </a:bodyPr>
+            <a:lstStyle/>
+            <a:p>
+              <a:endParaRPr lang="en-US" dirty="0"/>
+            </a:p>
+          </p:txBody>
+        </p:sp>
+        <p:sp>
+          <p:nvSpPr>
+            <p:cNvPr id="10" name="TextBox 9">
+              <a:extLst>
+                <a:ext uri="{FF2B5EF4-FFF2-40B4-BE49-F238E27FC236}">
+                  <a16:creationId xmlns:a16="http://schemas.microsoft.com/office/drawing/2014/main" id="{97866013-F091-C589-3890-6C4C762559CF}"/>
+                </a:ext>
+              </a:extLst>
+            </p:cNvPr>
+            <p:cNvSpPr txBox="1"/>
+            <p:nvPr/>
+          </p:nvSpPr>
+          <p:spPr>
+            <a:xfrm>
+              <a:off x="1281020" y="3114390"/>
+              <a:ext cx="289713" cy="253499"/>
+            </a:xfrm>
+            <a:prstGeom prst="rect">
+              <a:avLst/>
+            </a:prstGeom>
+            <a:noFill/>
+            <a:ln w="31750">
+              <a:solidFill>
+                <a:srgbClr val="FF0000"/>
+              </a:solidFill>
+            </a:ln>
+          </p:spPr>
+          <p:txBody>
+            <a:bodyPr wrap="square" rtlCol="0">
+              <a:spAutoFit/>
+            </a:bodyPr>
+            <a:lstStyle/>
+            <a:p>
+              <a:endParaRPr lang="en-US" dirty="0"/>
+            </a:p>
+          </p:txBody>
+        </p:sp>
+      </p:grpSp>
+      <p:sp>
+        <p:nvSpPr>
+          <p:cNvPr id="11" name="TextBox 10">
+            <a:extLst>
+              <a:ext uri="{FF2B5EF4-FFF2-40B4-BE49-F238E27FC236}">
+                <a16:creationId xmlns:a16="http://schemas.microsoft.com/office/drawing/2014/main" id="{54646DB1-D321-E697-E0F5-4DE1058A1B20}"/>
+              </a:ext>
+            </a:extLst>
+          </p:cNvPr>
+          <p:cNvSpPr txBox="1"/>
+          <p:nvPr/>
+        </p:nvSpPr>
+        <p:spPr>
+          <a:xfrm>
+            <a:off x="2476890" y="35602"/>
+            <a:ext cx="7041757" cy="584775"/>
+          </a:xfrm>
+          <a:prstGeom prst="rect">
+            <a:avLst/>
+          </a:prstGeom>
+          <a:noFill/>
+        </p:spPr>
+        <p:txBody>
+          <a:bodyPr wrap="square" rtlCol="0">
+            <a:spAutoFit/>
+          </a:bodyPr>
+          <a:lstStyle/>
+          <a:p>
+            <a:r>
+              <a:rPr lang="en-US" sz="3200" dirty="0"/>
+              <a:t>Does physical activity affect the BMI?</a:t>
+            </a:r>
+          </a:p>
+        </p:txBody>
+      </p:sp>
+      <p:pic>
+        <p:nvPicPr>
+          <p:cNvPr id="12" name="Picture 11" descr="Chart&#10;&#10;Description automatically generated">
+            <a:extLst>
+              <a:ext uri="{FF2B5EF4-FFF2-40B4-BE49-F238E27FC236}">
+                <a16:creationId xmlns:a16="http://schemas.microsoft.com/office/drawing/2014/main" id="{276A7383-AE79-324B-1BD7-E7C305C96B6C}"/>
+              </a:ext>
+            </a:extLst>
+          </p:cNvPr>
+          <p:cNvPicPr>
+            <a:picLocks noChangeAspect="1"/>
+          </p:cNvPicPr>
+          <p:nvPr/>
+        </p:nvPicPr>
+        <p:blipFill>
+          <a:blip r:embed="rId5">
+            <a:extLst>
+              <a:ext uri="{28A0092B-C50C-407E-A947-70E740481C1C}">
+                <a14:useLocalDpi xmlns:a14="http://schemas.microsoft.com/office/drawing/2010/main" val="0"/>
+              </a:ext>
+            </a:extLst>
+          </a:blip>
+          <a:stretch>
+            <a:fillRect/>
+          </a:stretch>
+        </p:blipFill>
+        <p:spPr>
+          <a:xfrm>
+            <a:off x="10762338" y="522304"/>
+            <a:ext cx="1168400" cy="685800"/>
+          </a:xfrm>
+          <a:prstGeom prst="rect">
+            <a:avLst/>
+          </a:prstGeom>
+        </p:spPr>
+      </p:pic>
       <p:graphicFrame>
         <p:nvGraphicFramePr>
-          <p:cNvPr id="2" name="Table 1">
+          <p:cNvPr id="13" name="Table 12">
             <a:extLst>
               <a:ext uri="{FF2B5EF4-FFF2-40B4-BE49-F238E27FC236}">
-                <a16:creationId xmlns:a16="http://schemas.microsoft.com/office/drawing/2014/main" id="{C5BA81CD-2D21-79CF-8827-1CA7C7B27974}"/>
+                <a16:creationId xmlns:a16="http://schemas.microsoft.com/office/drawing/2014/main" id="{2179204D-4255-98F1-880B-5463A4D351F7}"/>
               </a:ext>
             </a:extLst>
           </p:cNvPr>
@@ -17212,7 +17479,7 @@
           <p:nvPr>
             <p:extLst>
               <p:ext uri="{D42A27DB-BD31-4B8C-83A1-F6EECF244321}">
-                <p14:modId xmlns:p14="http://schemas.microsoft.com/office/powerpoint/2010/main" val="2270667065"/>
+                <p14:modId xmlns:p14="http://schemas.microsoft.com/office/powerpoint/2010/main" val="3068105899"/>
               </p:ext>
             </p:extLst>
           </p:nvPr>
@@ -17585,194 +17852,12 @@
           </a:graphicData>
         </a:graphic>
       </p:graphicFrame>
-      <p:pic>
-        <p:nvPicPr>
-          <p:cNvPr id="10" name="Picture 9" descr="Chart&#10;&#10;Description automatically generated">
+      <p:cxnSp>
+        <p:nvCxnSpPr>
+          <p:cNvPr id="14" name="Straight Arrow Connector 13">
             <a:extLst>
               <a:ext uri="{FF2B5EF4-FFF2-40B4-BE49-F238E27FC236}">
-                <a16:creationId xmlns:a16="http://schemas.microsoft.com/office/drawing/2014/main" id="{0FC32DE2-5CF5-D03C-ED1E-A90B48806A0C}"/>
-              </a:ext>
-            </a:extLst>
-          </p:cNvPr>
-          <p:cNvPicPr>
-            <a:picLocks noChangeAspect="1"/>
-          </p:cNvPicPr>
-          <p:nvPr/>
-        </p:nvPicPr>
-        <p:blipFill>
-          <a:blip r:embed="rId2">
-            <a:extLst>
-              <a:ext uri="{28A0092B-C50C-407E-A947-70E740481C1C}">
-                <a14:useLocalDpi xmlns:a14="http://schemas.microsoft.com/office/drawing/2010/main" val="0"/>
-              </a:ext>
-            </a:extLst>
-          </a:blip>
-          <a:stretch>
-            <a:fillRect/>
-          </a:stretch>
-        </p:blipFill>
-        <p:spPr>
-          <a:xfrm>
-            <a:off x="10698282" y="360602"/>
-            <a:ext cx="1168400" cy="685800"/>
-          </a:xfrm>
-          <a:prstGeom prst="rect">
-            <a:avLst/>
-          </a:prstGeom>
-        </p:spPr>
-      </p:pic>
-      <p:pic>
-        <p:nvPicPr>
-          <p:cNvPr id="14" name="Picture 13" descr="Chart, radar chart&#10;&#10;Description automatically generated">
-            <a:extLst>
-              <a:ext uri="{FF2B5EF4-FFF2-40B4-BE49-F238E27FC236}">
-                <a16:creationId xmlns:a16="http://schemas.microsoft.com/office/drawing/2014/main" id="{F3B9BF92-B36A-FBFE-69AA-045A9C743310}"/>
-              </a:ext>
-            </a:extLst>
-          </p:cNvPr>
-          <p:cNvPicPr>
-            <a:picLocks noChangeAspect="1"/>
-          </p:cNvPicPr>
-          <p:nvPr/>
-        </p:nvPicPr>
-        <p:blipFill>
-          <a:blip r:embed="rId3">
-            <a:extLst>
-              <a:ext uri="{28A0092B-C50C-407E-A947-70E740481C1C}">
-                <a14:useLocalDpi xmlns:a14="http://schemas.microsoft.com/office/drawing/2010/main" val="0"/>
-              </a:ext>
-            </a:extLst>
-          </a:blip>
-          <a:stretch>
-            <a:fillRect/>
-          </a:stretch>
-        </p:blipFill>
-        <p:spPr>
-          <a:xfrm>
-            <a:off x="824072" y="747638"/>
-            <a:ext cx="4582161" cy="4847498"/>
-          </a:xfrm>
-          <a:prstGeom prst="rect">
-            <a:avLst/>
-          </a:prstGeom>
-        </p:spPr>
-      </p:pic>
-      <p:pic>
-        <p:nvPicPr>
-          <p:cNvPr id="16" name="Picture 15" descr="Chart, radar chart&#10;&#10;Description automatically generated">
-            <a:extLst>
-              <a:ext uri="{FF2B5EF4-FFF2-40B4-BE49-F238E27FC236}">
-                <a16:creationId xmlns:a16="http://schemas.microsoft.com/office/drawing/2014/main" id="{4694F734-FBC2-828E-D9C0-3662D14527B5}"/>
-              </a:ext>
-            </a:extLst>
-          </p:cNvPr>
-          <p:cNvPicPr>
-            <a:picLocks noChangeAspect="1"/>
-          </p:cNvPicPr>
-          <p:nvPr/>
-        </p:nvPicPr>
-        <p:blipFill>
-          <a:blip r:embed="rId4">
-            <a:extLst>
-              <a:ext uri="{28A0092B-C50C-407E-A947-70E740481C1C}">
-                <a14:useLocalDpi xmlns:a14="http://schemas.microsoft.com/office/drawing/2010/main" val="0"/>
-              </a:ext>
-            </a:extLst>
-          </a:blip>
-          <a:stretch>
-            <a:fillRect/>
-          </a:stretch>
-        </p:blipFill>
-        <p:spPr>
-          <a:xfrm>
-            <a:off x="6188040" y="928477"/>
-            <a:ext cx="4923753" cy="4666659"/>
-          </a:xfrm>
-          <a:prstGeom prst="rect">
-            <a:avLst/>
-          </a:prstGeom>
-        </p:spPr>
-      </p:pic>
-      <p:sp>
-        <p:nvSpPr>
-          <p:cNvPr id="18" name="TextBox 17">
-            <a:extLst>
-              <a:ext uri="{FF2B5EF4-FFF2-40B4-BE49-F238E27FC236}">
-                <a16:creationId xmlns:a16="http://schemas.microsoft.com/office/drawing/2014/main" id="{9B265274-7822-A6AA-095C-684601AF8054}"/>
-              </a:ext>
-            </a:extLst>
-          </p:cNvPr>
-          <p:cNvSpPr txBox="1"/>
-          <p:nvPr/>
-        </p:nvSpPr>
-        <p:spPr>
-          <a:xfrm>
-            <a:off x="6581867" y="3241140"/>
-            <a:ext cx="289713" cy="253499"/>
-          </a:xfrm>
-          <a:prstGeom prst="rect">
-            <a:avLst/>
-          </a:prstGeom>
-          <a:noFill/>
-          <a:ln w="31750">
-            <a:solidFill>
-              <a:srgbClr val="FF0000"/>
-            </a:solidFill>
-          </a:ln>
-        </p:spPr>
-        <p:txBody>
-          <a:bodyPr wrap="square" rtlCol="0">
-            <a:spAutoFit/>
-          </a:bodyPr>
-          <a:lstStyle/>
-          <a:p>
-            <a:endParaRPr lang="en-US" dirty="0"/>
-          </a:p>
-        </p:txBody>
-      </p:sp>
-      <p:sp>
-        <p:nvSpPr>
-          <p:cNvPr id="19" name="TextBox 18">
-            <a:extLst>
-              <a:ext uri="{FF2B5EF4-FFF2-40B4-BE49-F238E27FC236}">
-                <a16:creationId xmlns:a16="http://schemas.microsoft.com/office/drawing/2014/main" id="{1C2073B0-02EF-EB32-76CA-23BBD6899F54}"/>
-              </a:ext>
-            </a:extLst>
-          </p:cNvPr>
-          <p:cNvSpPr txBox="1"/>
-          <p:nvPr/>
-        </p:nvSpPr>
-        <p:spPr>
-          <a:xfrm>
-            <a:off x="1281020" y="3114390"/>
-            <a:ext cx="289713" cy="253499"/>
-          </a:xfrm>
-          <a:prstGeom prst="rect">
-            <a:avLst/>
-          </a:prstGeom>
-          <a:noFill/>
-          <a:ln w="31750">
-            <a:solidFill>
-              <a:srgbClr val="FF0000"/>
-            </a:solidFill>
-          </a:ln>
-        </p:spPr>
-        <p:txBody>
-          <a:bodyPr wrap="square" rtlCol="0">
-            <a:spAutoFit/>
-          </a:bodyPr>
-          <a:lstStyle/>
-          <a:p>
-            <a:endParaRPr lang="en-US" dirty="0"/>
-          </a:p>
-        </p:txBody>
-      </p:sp>
-      <p:cxnSp>
-        <p:nvCxnSpPr>
-          <p:cNvPr id="4" name="Straight Arrow Connector 3">
-            <a:extLst>
-              <a:ext uri="{FF2B5EF4-FFF2-40B4-BE49-F238E27FC236}">
-                <a16:creationId xmlns:a16="http://schemas.microsoft.com/office/drawing/2014/main" id="{13CA982A-A3B0-339A-B16D-CF25080D81EB}"/>
+                <a16:creationId xmlns:a16="http://schemas.microsoft.com/office/drawing/2014/main" id="{6466A609-5C48-9A8E-1332-F3F024FC992B}"/>
               </a:ext>
             </a:extLst>
           </p:cNvPr>
@@ -17811,10 +17896,10 @@
       </p:cxnSp>
       <p:cxnSp>
         <p:nvCxnSpPr>
-          <p:cNvPr id="5" name="Straight Arrow Connector 4">
+          <p:cNvPr id="15" name="Straight Arrow Connector 14">
             <a:extLst>
               <a:ext uri="{FF2B5EF4-FFF2-40B4-BE49-F238E27FC236}">
-                <a16:creationId xmlns:a16="http://schemas.microsoft.com/office/drawing/2014/main" id="{7BCA843F-8DF4-7F9B-BADE-B88CD1E3A2E4}"/>
+                <a16:creationId xmlns:a16="http://schemas.microsoft.com/office/drawing/2014/main" id="{3E21848C-8659-3CFD-5AD2-D216A12AF157}"/>
               </a:ext>
             </a:extLst>
           </p:cNvPr>
@@ -17851,45 +17936,10 @@
           </a:fontRef>
         </p:style>
       </p:cxnSp>
-      <p:sp>
-        <p:nvSpPr>
-          <p:cNvPr id="6" name="TextBox 5">
-            <a:extLst>
-              <a:ext uri="{FF2B5EF4-FFF2-40B4-BE49-F238E27FC236}">
-                <a16:creationId xmlns:a16="http://schemas.microsoft.com/office/drawing/2014/main" id="{842669BF-B726-8D3B-F279-4C29F234ABE2}"/>
-              </a:ext>
-            </a:extLst>
-          </p:cNvPr>
-          <p:cNvSpPr txBox="1"/>
-          <p:nvPr/>
-        </p:nvSpPr>
-        <p:spPr>
-          <a:xfrm>
-            <a:off x="583199" y="142987"/>
-            <a:ext cx="7041757" cy="584775"/>
-          </a:xfrm>
-          <a:prstGeom prst="rect">
-            <a:avLst/>
-          </a:prstGeom>
-          <a:noFill/>
-        </p:spPr>
-        <p:txBody>
-          <a:bodyPr wrap="square" rtlCol="0">
-            <a:spAutoFit/>
-          </a:bodyPr>
-          <a:lstStyle/>
-          <a:p>
-            <a:r>
-              <a:rPr lang="en-US" sz="3200" dirty="0"/>
-              <a:t>Does physical activity affect the BMI?</a:t>
-            </a:r>
-          </a:p>
-        </p:txBody>
-      </p:sp>
     </p:spTree>
     <p:extLst>
       <p:ext uri="{BB962C8B-B14F-4D97-AF65-F5344CB8AC3E}">
-        <p14:creationId xmlns:p14="http://schemas.microsoft.com/office/powerpoint/2010/main" val="2169982583"/>
+        <p14:creationId xmlns:p14="http://schemas.microsoft.com/office/powerpoint/2010/main" val="3196496855"/>
       </p:ext>
     </p:extLst>
   </p:cSld>
@@ -35727,7 +35777,7 @@
         </p:nvSpPr>
         <p:spPr>
           <a:xfrm>
-            <a:off x="2107096" y="1191734"/>
+            <a:off x="1288608" y="669220"/>
             <a:ext cx="10662152" cy="5097748"/>
           </a:xfrm>
         </p:spPr>
@@ -35902,7 +35952,7 @@
         </p:nvSpPr>
         <p:spPr>
           <a:xfrm>
-            <a:off x="1126127" y="1014047"/>
+            <a:off x="1204441" y="435102"/>
             <a:ext cx="4137735" cy="808884"/>
           </a:xfrm>
         </p:spPr>
@@ -43890,8 +43940,8 @@
         </p:nvSpPr>
         <p:spPr>
           <a:xfrm>
-            <a:off x="2729832" y="1706885"/>
-            <a:ext cx="8456394" cy="3036907"/>
+            <a:off x="2184518" y="1505918"/>
+            <a:ext cx="9277039" cy="4231691"/>
           </a:xfrm>
         </p:spPr>
         <p:txBody>
@@ -43905,7 +43955,7 @@
               <a:buChar char="•"/>
             </a:pPr>
             <a:r>
-              <a:rPr lang="en-US" sz="1600" b="0" i="0" u="none" strike="noStrike" dirty="0">
+              <a:rPr lang="en-US" b="0" i="0" u="none" strike="noStrike" dirty="0">
                 <a:solidFill>
                   <a:srgbClr val="24292F"/>
                 </a:solidFill>
@@ -43921,7 +43971,7 @@
               <a:buChar char="•"/>
             </a:pPr>
             <a:r>
-              <a:rPr lang="en-US" sz="1600" b="0" i="0" u="none" strike="noStrike" dirty="0">
+              <a:rPr lang="en-US" b="0" i="0" u="none" strike="noStrike" dirty="0">
                 <a:solidFill>
                   <a:srgbClr val="24292F"/>
                 </a:solidFill>
@@ -43931,7 +43981,7 @@
               <a:t>The data that we chose did not require extensive clean-up</a:t>
             </a:r>
             <a:r>
-              <a:rPr lang="en-US" sz="1600" dirty="0">
+              <a:rPr lang="en-US" dirty="0">
                 <a:solidFill>
                   <a:srgbClr val="24292F"/>
                 </a:solidFill>
@@ -43940,7 +43990,7 @@
               <a:t> but we did have to </a:t>
             </a:r>
             <a:r>
-              <a:rPr lang="en-US" sz="1600" b="0" i="0" u="none" strike="noStrike" dirty="0">
+              <a:rPr lang="en-US" b="0" i="0" u="none" strike="noStrike" dirty="0">
                 <a:solidFill>
                   <a:srgbClr val="24292F"/>
                 </a:solidFill>
@@ -43949,7 +43999,7 @@
               </a:rPr>
               <a:t>label the categories in some of the columns. </a:t>
             </a:r>
-            <a:endParaRPr lang="en-US" sz="1600" dirty="0">
+            <a:endParaRPr lang="en-US" dirty="0">
               <a:solidFill>
                 <a:srgbClr val="24292F"/>
               </a:solidFill>
@@ -43962,7 +44012,7 @@
               <a:buChar char="•"/>
             </a:pPr>
             <a:r>
-              <a:rPr lang="en-US" sz="1600" b="0" i="0" u="none" strike="noStrike" dirty="0">
+              <a:rPr lang="en-US" b="0" i="0" u="none" strike="noStrike" dirty="0">
                 <a:solidFill>
                   <a:srgbClr val="24292F"/>
                 </a:solidFill>
@@ -43972,7 +44022,7 @@
               <a:t>It was felt that a supervised machine learning was the best approach to classify and predict diabetes. To compare for accuracy, we used We used the </a:t>
             </a:r>
             <a:r>
-              <a:rPr lang="en-US" sz="1600" dirty="0" err="1">
+              <a:rPr lang="en-US" dirty="0" err="1">
                 <a:solidFill>
                   <a:srgbClr val="24292F"/>
                 </a:solidFill>
@@ -43981,7 +44031,7 @@
               <a:t>T</a:t>
             </a:r>
             <a:r>
-              <a:rPr lang="en-US" sz="1600" b="0" i="0" u="none" strike="noStrike" dirty="0" err="1">
+              <a:rPr lang="en-US" b="0" i="0" u="none" strike="noStrike" dirty="0" err="1">
                 <a:solidFill>
                   <a:srgbClr val="24292F"/>
                 </a:solidFill>
@@ -43991,7 +44041,7 @@
               <a:t>ensorflow</a:t>
             </a:r>
             <a:r>
-              <a:rPr lang="en-US" sz="1600" b="0" i="0" u="none" strike="noStrike" dirty="0">
+              <a:rPr lang="en-US" b="0" i="0" u="none" strike="noStrike" dirty="0">
                 <a:solidFill>
                   <a:srgbClr val="24292F"/>
                 </a:solidFill>
@@ -44007,7 +44057,7 @@
               <a:buChar char="•"/>
             </a:pPr>
             <a:r>
-              <a:rPr lang="en-US" sz="1600" b="0" i="0" u="none" strike="noStrike" dirty="0">
+              <a:rPr lang="en-US" b="0" i="0" u="none" strike="noStrike" dirty="0">
                 <a:solidFill>
                   <a:srgbClr val="24292F"/>
                 </a:solidFill>
@@ -44017,7 +44067,7 @@
               <a:t>We built the database and a webpage using HTML, </a:t>
             </a:r>
             <a:r>
-              <a:rPr lang="en-US" sz="1600" b="0" i="0" u="none" strike="noStrike" dirty="0" err="1">
+              <a:rPr lang="en-US" b="0" i="0" u="none" strike="noStrike" dirty="0" err="1">
                 <a:solidFill>
                   <a:srgbClr val="24292F"/>
                 </a:solidFill>
@@ -44027,7 +44077,7 @@
               <a:t>Javascript</a:t>
             </a:r>
             <a:r>
-              <a:rPr lang="en-US" sz="1600" b="0" i="0" u="none" strike="noStrike" dirty="0">
+              <a:rPr lang="en-US" b="0" i="0" u="none" strike="noStrike" dirty="0">
                 <a:solidFill>
                   <a:srgbClr val="24292F"/>
                 </a:solidFill>
@@ -44036,7 +44086,7 @@
               </a:rPr>
               <a:t>, and Flask. </a:t>
             </a:r>
-            <a:endParaRPr lang="en-US" sz="1600" dirty="0">
+            <a:endParaRPr lang="en-US" dirty="0">
               <a:solidFill>
                 <a:srgbClr val="24292F"/>
               </a:solidFill>
@@ -44049,7 +44099,7 @@
               <a:buChar char="•"/>
             </a:pPr>
             <a:r>
-              <a:rPr lang="en-US" sz="1600" dirty="0">
+              <a:rPr lang="en-US" dirty="0">
                 <a:solidFill>
                   <a:srgbClr val="24292F"/>
                 </a:solidFill>
